--- a/clases/Cap01_Introduccion/presentations/PAT01_EjercicioReconocimiento.pptx
+++ b/clases/Cap01_Introduccion/presentations/PAT01_EjercicioReconocimiento.pptx
@@ -210,7 +210,7 @@
           <a:p>
             <a:fld id="{E1A2DB10-478C-9D45-992B-D85CE8489EC5}" type="datetimeFigureOut">
               <a:rPr lang="en-US" smtClean="0"/>
-              <a:t>3/8/18</a:t>
+              <a:t>3/7/19</a:t>
             </a:fld>
             <a:endParaRPr lang="en-US"/>
           </a:p>
@@ -752,7 +752,7 @@
           <a:p>
             <a:fld id="{34DB2E79-AEAF-684C-8B38-C0D98970A901}" type="datetimeFigureOut">
               <a:rPr lang="en-US" smtClean="0"/>
-              <a:t>3/8/18</a:t>
+              <a:t>3/7/19</a:t>
             </a:fld>
             <a:endParaRPr lang="en-US"/>
           </a:p>
@@ -922,7 +922,7 @@
           <a:p>
             <a:fld id="{34DB2E79-AEAF-684C-8B38-C0D98970A901}" type="datetimeFigureOut">
               <a:rPr lang="en-US" smtClean="0"/>
-              <a:t>3/8/18</a:t>
+              <a:t>3/7/19</a:t>
             </a:fld>
             <a:endParaRPr lang="en-US"/>
           </a:p>
@@ -1102,7 +1102,7 @@
           <a:p>
             <a:fld id="{34DB2E79-AEAF-684C-8B38-C0D98970A901}" type="datetimeFigureOut">
               <a:rPr lang="en-US" smtClean="0"/>
-              <a:t>3/8/18</a:t>
+              <a:t>3/7/19</a:t>
             </a:fld>
             <a:endParaRPr lang="en-US"/>
           </a:p>
@@ -1272,7 +1272,7 @@
           <a:p>
             <a:fld id="{34DB2E79-AEAF-684C-8B38-C0D98970A901}" type="datetimeFigureOut">
               <a:rPr lang="en-US" smtClean="0"/>
-              <a:t>3/8/18</a:t>
+              <a:t>3/7/19</a:t>
             </a:fld>
             <a:endParaRPr lang="en-US"/>
           </a:p>
@@ -1518,7 +1518,7 @@
           <a:p>
             <a:fld id="{34DB2E79-AEAF-684C-8B38-C0D98970A901}" type="datetimeFigureOut">
               <a:rPr lang="en-US" smtClean="0"/>
-              <a:t>3/8/18</a:t>
+              <a:t>3/7/19</a:t>
             </a:fld>
             <a:endParaRPr lang="en-US"/>
           </a:p>
@@ -1806,7 +1806,7 @@
           <a:p>
             <a:fld id="{34DB2E79-AEAF-684C-8B38-C0D98970A901}" type="datetimeFigureOut">
               <a:rPr lang="en-US" smtClean="0"/>
-              <a:t>3/8/18</a:t>
+              <a:t>3/7/19</a:t>
             </a:fld>
             <a:endParaRPr lang="en-US"/>
           </a:p>
@@ -2228,7 +2228,7 @@
           <a:p>
             <a:fld id="{34DB2E79-AEAF-684C-8B38-C0D98970A901}" type="datetimeFigureOut">
               <a:rPr lang="en-US" smtClean="0"/>
-              <a:t>3/8/18</a:t>
+              <a:t>3/7/19</a:t>
             </a:fld>
             <a:endParaRPr lang="en-US"/>
           </a:p>
@@ -2346,7 +2346,7 @@
           <a:p>
             <a:fld id="{34DB2E79-AEAF-684C-8B38-C0D98970A901}" type="datetimeFigureOut">
               <a:rPr lang="en-US" smtClean="0"/>
-              <a:t>3/8/18</a:t>
+              <a:t>3/7/19</a:t>
             </a:fld>
             <a:endParaRPr lang="en-US"/>
           </a:p>
@@ -2441,7 +2441,7 @@
           <a:p>
             <a:fld id="{34DB2E79-AEAF-684C-8B38-C0D98970A901}" type="datetimeFigureOut">
               <a:rPr lang="en-US" smtClean="0"/>
-              <a:t>3/8/18</a:t>
+              <a:t>3/7/19</a:t>
             </a:fld>
             <a:endParaRPr lang="en-US"/>
           </a:p>
@@ -2718,7 +2718,7 @@
           <a:p>
             <a:fld id="{34DB2E79-AEAF-684C-8B38-C0D98970A901}" type="datetimeFigureOut">
               <a:rPr lang="en-US" smtClean="0"/>
-              <a:t>3/8/18</a:t>
+              <a:t>3/7/19</a:t>
             </a:fld>
             <a:endParaRPr lang="en-US"/>
           </a:p>
@@ -2971,7 +2971,7 @@
           <a:p>
             <a:fld id="{34DB2E79-AEAF-684C-8B38-C0D98970A901}" type="datetimeFigureOut">
               <a:rPr lang="en-US" smtClean="0"/>
-              <a:t>3/8/18</a:t>
+              <a:t>3/7/19</a:t>
             </a:fld>
             <a:endParaRPr lang="en-US"/>
           </a:p>
@@ -3184,7 +3184,7 @@
           <a:p>
             <a:fld id="{34DB2E79-AEAF-684C-8B38-C0D98970A901}" type="datetimeFigureOut">
               <a:rPr lang="en-US" smtClean="0"/>
-              <a:t>3/8/18</a:t>
+              <a:t>3/7/19</a:t>
             </a:fld>
             <a:endParaRPr lang="en-US"/>
           </a:p>
@@ -3984,17 +3984,6 @@
           </a:p>
           <a:p>
             <a:pPr algn="ctr"/>
-            <a:r>
-              <a:rPr lang="es-CL" sz="1200" dirty="0" smtClean="0">
-                <a:solidFill>
-                  <a:schemeClr val="bg1">
-                    <a:lumMod val="75000"/>
-                  </a:schemeClr>
-                </a:solidFill>
-                <a:latin typeface="Trebuchet MS" pitchFamily="34" charset="0"/>
-              </a:rPr>
-              <a:t>Semestre 2018-1</a:t>
-            </a:r>
             <a:endParaRPr lang="en-US" sz="1200" dirty="0">
               <a:solidFill>
                 <a:schemeClr val="bg1">

--- a/clases/Cap01_Introduccion/presentations/PAT01_EjercicioReconocimiento.pptx
+++ b/clases/Cap01_Introduccion/presentations/PAT01_EjercicioReconocimiento.pptx
@@ -5,12 +5,15 @@
     <p:sldMasterId id="2147483648" r:id="rId1"/>
   </p:sldMasterIdLst>
   <p:notesMasterIdLst>
-    <p:notesMasterId r:id="rId5"/>
+    <p:notesMasterId r:id="rId8"/>
   </p:notesMasterIdLst>
   <p:sldIdLst>
     <p:sldId id="259" r:id="rId2"/>
     <p:sldId id="257" r:id="rId3"/>
-    <p:sldId id="258" r:id="rId4"/>
+    <p:sldId id="262" r:id="rId4"/>
+    <p:sldId id="260" r:id="rId5"/>
+    <p:sldId id="261" r:id="rId6"/>
+    <p:sldId id="258" r:id="rId7"/>
   </p:sldIdLst>
   <p:sldSz cx="9144000" cy="6858000" type="screen4x3"/>
   <p:notesSz cx="6858000" cy="9144000"/>
@@ -210,7 +213,7 @@
           <a:p>
             <a:fld id="{E1A2DB10-478C-9D45-992B-D85CE8489EC5}" type="datetimeFigureOut">
               <a:rPr lang="en-US" smtClean="0"/>
-              <a:t>3/7/19</a:t>
+              <a:t>3/12/19</a:t>
             </a:fld>
             <a:endParaRPr lang="en-US"/>
           </a:p>
@@ -752,7 +755,7 @@
           <a:p>
             <a:fld id="{34DB2E79-AEAF-684C-8B38-C0D98970A901}" type="datetimeFigureOut">
               <a:rPr lang="en-US" smtClean="0"/>
-              <a:t>3/7/19</a:t>
+              <a:t>3/12/19</a:t>
             </a:fld>
             <a:endParaRPr lang="en-US"/>
           </a:p>
@@ -922,7 +925,7 @@
           <a:p>
             <a:fld id="{34DB2E79-AEAF-684C-8B38-C0D98970A901}" type="datetimeFigureOut">
               <a:rPr lang="en-US" smtClean="0"/>
-              <a:t>3/7/19</a:t>
+              <a:t>3/12/19</a:t>
             </a:fld>
             <a:endParaRPr lang="en-US"/>
           </a:p>
@@ -1102,7 +1105,7 @@
           <a:p>
             <a:fld id="{34DB2E79-AEAF-684C-8B38-C0D98970A901}" type="datetimeFigureOut">
               <a:rPr lang="en-US" smtClean="0"/>
-              <a:t>3/7/19</a:t>
+              <a:t>3/12/19</a:t>
             </a:fld>
             <a:endParaRPr lang="en-US"/>
           </a:p>
@@ -1272,7 +1275,7 @@
           <a:p>
             <a:fld id="{34DB2E79-AEAF-684C-8B38-C0D98970A901}" type="datetimeFigureOut">
               <a:rPr lang="en-US" smtClean="0"/>
-              <a:t>3/7/19</a:t>
+              <a:t>3/12/19</a:t>
             </a:fld>
             <a:endParaRPr lang="en-US"/>
           </a:p>
@@ -1518,7 +1521,7 @@
           <a:p>
             <a:fld id="{34DB2E79-AEAF-684C-8B38-C0D98970A901}" type="datetimeFigureOut">
               <a:rPr lang="en-US" smtClean="0"/>
-              <a:t>3/7/19</a:t>
+              <a:t>3/12/19</a:t>
             </a:fld>
             <a:endParaRPr lang="en-US"/>
           </a:p>
@@ -1806,7 +1809,7 @@
           <a:p>
             <a:fld id="{34DB2E79-AEAF-684C-8B38-C0D98970A901}" type="datetimeFigureOut">
               <a:rPr lang="en-US" smtClean="0"/>
-              <a:t>3/7/19</a:t>
+              <a:t>3/12/19</a:t>
             </a:fld>
             <a:endParaRPr lang="en-US"/>
           </a:p>
@@ -2228,7 +2231,7 @@
           <a:p>
             <a:fld id="{34DB2E79-AEAF-684C-8B38-C0D98970A901}" type="datetimeFigureOut">
               <a:rPr lang="en-US" smtClean="0"/>
-              <a:t>3/7/19</a:t>
+              <a:t>3/12/19</a:t>
             </a:fld>
             <a:endParaRPr lang="en-US"/>
           </a:p>
@@ -2346,7 +2349,7 @@
           <a:p>
             <a:fld id="{34DB2E79-AEAF-684C-8B38-C0D98970A901}" type="datetimeFigureOut">
               <a:rPr lang="en-US" smtClean="0"/>
-              <a:t>3/7/19</a:t>
+              <a:t>3/12/19</a:t>
             </a:fld>
             <a:endParaRPr lang="en-US"/>
           </a:p>
@@ -2441,7 +2444,7 @@
           <a:p>
             <a:fld id="{34DB2E79-AEAF-684C-8B38-C0D98970A901}" type="datetimeFigureOut">
               <a:rPr lang="en-US" smtClean="0"/>
-              <a:t>3/7/19</a:t>
+              <a:t>3/12/19</a:t>
             </a:fld>
             <a:endParaRPr lang="en-US"/>
           </a:p>
@@ -2718,7 +2721,7 @@
           <a:p>
             <a:fld id="{34DB2E79-AEAF-684C-8B38-C0D98970A901}" type="datetimeFigureOut">
               <a:rPr lang="en-US" smtClean="0"/>
-              <a:t>3/7/19</a:t>
+              <a:t>3/12/19</a:t>
             </a:fld>
             <a:endParaRPr lang="en-US"/>
           </a:p>
@@ -2971,7 +2974,7 @@
           <a:p>
             <a:fld id="{34DB2E79-AEAF-684C-8B38-C0D98970A901}" type="datetimeFigureOut">
               <a:rPr lang="en-US" smtClean="0"/>
-              <a:t>3/7/19</a:t>
+              <a:t>3/12/19</a:t>
             </a:fld>
             <a:endParaRPr lang="en-US"/>
           </a:p>
@@ -3184,7 +3187,7 @@
           <a:p>
             <a:fld id="{34DB2E79-AEAF-684C-8B38-C0D98970A901}" type="datetimeFigureOut">
               <a:rPr lang="en-US" smtClean="0"/>
-              <a:t>3/7/19</a:t>
+              <a:t>3/12/19</a:t>
             </a:fld>
             <a:endParaRPr lang="en-US"/>
           </a:p>
@@ -4857,7 +4860,7 @@
           <a:lstStyle/>
           <a:p>
             <a:r>
-              <a:rPr lang="en-US" sz="4800" smtClean="0"/>
+              <a:rPr lang="en-US" sz="4800" dirty="0" smtClean="0"/>
               <a:t>HOLA</a:t>
             </a:r>
             <a:endParaRPr lang="en-US" sz="4800" dirty="0"/>
@@ -4903,6 +4906,92 @@
               <a:t>?</a:t>
             </a:r>
             <a:endParaRPr lang="en-US" sz="3200" dirty="0"/>
+          </a:p>
+        </p:txBody>
+      </p:sp>
+      <p:pic>
+        <p:nvPicPr>
+          <p:cNvPr id="2" name="Picture 1"/>
+          <p:cNvPicPr>
+            <a:picLocks noChangeAspect="1"/>
+          </p:cNvPicPr>
+          <p:nvPr/>
+        </p:nvPicPr>
+        <p:blipFill>
+          <a:blip r:embed="rId2">
+            <a:extLst>
+              <a:ext uri="{BEBA8EAE-BF5A-486C-A8C5-ECC9F3942E4B}">
+                <a14:imgProps xmlns:a14="http://schemas.microsoft.com/office/drawing/2010/main">
+                  <a14:imgLayer r:embed="rId3">
+                    <a14:imgEffect>
+                      <a14:artisticGlass scaling="100"/>
+                    </a14:imgEffect>
+                  </a14:imgLayer>
+                </a14:imgProps>
+              </a:ext>
+              <a:ext uri="{28A0092B-C50C-407E-A947-70E740481C1C}">
+                <a14:useLocalDpi xmlns:a14="http://schemas.microsoft.com/office/drawing/2010/main" val="0"/>
+              </a:ext>
+            </a:extLst>
+          </a:blip>
+          <a:stretch>
+            <a:fillRect/>
+          </a:stretch>
+        </p:blipFill>
+        <p:spPr>
+          <a:xfrm>
+            <a:off x="2482273" y="2691246"/>
+            <a:ext cx="3403600" cy="1447800"/>
+          </a:xfrm>
+          <a:prstGeom prst="rect">
+            <a:avLst/>
+          </a:prstGeom>
+        </p:spPr>
+      </p:pic>
+      <p:sp>
+        <p:nvSpPr>
+          <p:cNvPr id="6" name="Rectangle 5"/>
+          <p:cNvSpPr/>
+          <p:nvPr/>
+        </p:nvSpPr>
+        <p:spPr>
+          <a:xfrm>
+            <a:off x="2216727" y="2507673"/>
+            <a:ext cx="3920837" cy="1842654"/>
+          </a:xfrm>
+          <a:prstGeom prst="rect">
+            <a:avLst/>
+          </a:prstGeom>
+          <a:solidFill>
+            <a:schemeClr val="bg1">
+              <a:alpha val="84000"/>
+            </a:schemeClr>
+          </a:solidFill>
+          <a:ln>
+            <a:noFill/>
+          </a:ln>
+          <a:effectLst/>
+        </p:spPr>
+        <p:style>
+          <a:lnRef idx="1">
+            <a:schemeClr val="accent1"/>
+          </a:lnRef>
+          <a:fillRef idx="3">
+            <a:schemeClr val="accent1"/>
+          </a:fillRef>
+          <a:effectRef idx="2">
+            <a:schemeClr val="accent1"/>
+          </a:effectRef>
+          <a:fontRef idx="minor">
+            <a:schemeClr val="lt1"/>
+          </a:fontRef>
+        </p:style>
+        <p:txBody>
+          <a:bodyPr rtlCol="0" anchor="ctr"/>
+          <a:lstStyle/>
+          <a:p>
+            <a:pPr algn="ctr"/>
+            <a:endParaRPr lang="en-US"/>
           </a:p>
         </p:txBody>
       </p:sp>
@@ -4945,6 +5034,36 @@
       </p:grpSpPr>
       <p:sp>
         <p:nvSpPr>
+          <p:cNvPr id="4" name="TextBox 3"/>
+          <p:cNvSpPr txBox="1"/>
+          <p:nvPr/>
+        </p:nvSpPr>
+        <p:spPr>
+          <a:xfrm>
+            <a:off x="3306330" y="2937753"/>
+            <a:ext cx="1588897" cy="830997"/>
+          </a:xfrm>
+          <a:prstGeom prst="rect">
+            <a:avLst/>
+          </a:prstGeom>
+          <a:noFill/>
+        </p:spPr>
+        <p:txBody>
+          <a:bodyPr wrap="none" rtlCol="0">
+            <a:spAutoFit/>
+          </a:bodyPr>
+          <a:lstStyle/>
+          <a:p>
+            <a:r>
+              <a:rPr lang="en-US" sz="4800" dirty="0" smtClean="0"/>
+              <a:t>HOLA</a:t>
+            </a:r>
+            <a:endParaRPr lang="en-US" sz="4800" dirty="0"/>
+          </a:p>
+        </p:txBody>
+      </p:sp>
+      <p:sp>
+        <p:nvSpPr>
           <p:cNvPr id="5" name="TextBox 4"/>
           <p:cNvSpPr txBox="1"/>
           <p:nvPr/>
@@ -4985,16 +5104,139 @@
           </a:p>
         </p:txBody>
       </p:sp>
-      <p:sp>
-        <p:nvSpPr>
-          <p:cNvPr id="6" name="TextBox 5"/>
+      <p:pic>
+        <p:nvPicPr>
+          <p:cNvPr id="2" name="Picture 1"/>
+          <p:cNvPicPr>
+            <a:picLocks noChangeAspect="1"/>
+          </p:cNvPicPr>
+          <p:nvPr/>
+        </p:nvPicPr>
+        <p:blipFill>
+          <a:blip r:embed="rId2">
+            <a:extLst>
+              <a:ext uri="{BEBA8EAE-BF5A-486C-A8C5-ECC9F3942E4B}">
+                <a14:imgProps xmlns:a14="http://schemas.microsoft.com/office/drawing/2010/main">
+                  <a14:imgLayer r:embed="rId3">
+                    <a14:imgEffect>
+                      <a14:artisticLightScreen gridSize="6"/>
+                    </a14:imgEffect>
+                  </a14:imgLayer>
+                </a14:imgProps>
+              </a:ext>
+              <a:ext uri="{28A0092B-C50C-407E-A947-70E740481C1C}">
+                <a14:useLocalDpi xmlns:a14="http://schemas.microsoft.com/office/drawing/2010/main" val="0"/>
+              </a:ext>
+            </a:extLst>
+          </a:blip>
+          <a:stretch>
+            <a:fillRect/>
+          </a:stretch>
+        </p:blipFill>
+        <p:spPr>
+          <a:xfrm>
+            <a:off x="2482273" y="2691246"/>
+            <a:ext cx="3403600" cy="1447800"/>
+          </a:xfrm>
+          <a:prstGeom prst="rect">
+            <a:avLst/>
+          </a:prstGeom>
+        </p:spPr>
+      </p:pic>
+      <p:sp>
+        <p:nvSpPr>
+          <p:cNvPr id="3" name="Rectangle 2"/>
+          <p:cNvSpPr/>
+          <p:nvPr/>
+        </p:nvSpPr>
+        <p:spPr>
+          <a:xfrm>
+            <a:off x="2216727" y="2507673"/>
+            <a:ext cx="3920837" cy="1842654"/>
+          </a:xfrm>
+          <a:prstGeom prst="rect">
+            <a:avLst/>
+          </a:prstGeom>
+          <a:solidFill>
+            <a:schemeClr val="bg1">
+              <a:alpha val="90000"/>
+            </a:schemeClr>
+          </a:solidFill>
+          <a:ln>
+            <a:noFill/>
+          </a:ln>
+          <a:effectLst/>
+        </p:spPr>
+        <p:style>
+          <a:lnRef idx="1">
+            <a:schemeClr val="accent1"/>
+          </a:lnRef>
+          <a:fillRef idx="3">
+            <a:schemeClr val="accent1"/>
+          </a:fillRef>
+          <a:effectRef idx="2">
+            <a:schemeClr val="accent1"/>
+          </a:effectRef>
+          <a:fontRef idx="minor">
+            <a:schemeClr val="lt1"/>
+          </a:fontRef>
+        </p:style>
+        <p:txBody>
+          <a:bodyPr rtlCol="0" anchor="ctr"/>
+          <a:lstStyle/>
+          <a:p>
+            <a:pPr algn="ctr"/>
+            <a:endParaRPr lang="en-US"/>
+          </a:p>
+        </p:txBody>
+      </p:sp>
+    </p:spTree>
+    <p:extLst>
+      <p:ext uri="{BB962C8B-B14F-4D97-AF65-F5344CB8AC3E}">
+        <p14:creationId xmlns:p14="http://schemas.microsoft.com/office/powerpoint/2010/main" val="1551901393"/>
+      </p:ext>
+    </p:extLst>
+  </p:cSld>
+  <p:clrMapOvr>
+    <a:masterClrMapping/>
+  </p:clrMapOvr>
+  <p:timing>
+    <p:tnLst>
+      <p:par>
+        <p:cTn id="1" dur="indefinite" restart="never" nodeType="tmRoot"/>
+      </p:par>
+    </p:tnLst>
+  </p:timing>
+</p:sld>
+</file>
+
+<file path=ppt/slides/slide4.xml><?xml version="1.0" encoding="utf-8"?>
+<p:sld xmlns:a="http://schemas.openxmlformats.org/drawingml/2006/main" xmlns:r="http://schemas.openxmlformats.org/officeDocument/2006/relationships" xmlns:p="http://schemas.openxmlformats.org/presentationml/2006/main">
+  <p:cSld>
+    <p:spTree>
+      <p:nvGrpSpPr>
+        <p:cNvPr id="1" name=""/>
+        <p:cNvGrpSpPr/>
+        <p:nvPr/>
+      </p:nvGrpSpPr>
+      <p:grpSpPr>
+        <a:xfrm>
+          <a:off x="0" y="0"/>
+          <a:ext cx="0" cy="0"/>
+          <a:chOff x="0" y="0"/>
+          <a:chExt cx="0" cy="0"/>
+        </a:xfrm>
+      </p:grpSpPr>
+      <p:sp>
+        <p:nvSpPr>
+          <p:cNvPr id="4" name="TextBox 3"/>
           <p:cNvSpPr txBox="1"/>
           <p:nvPr/>
         </p:nvSpPr>
         <p:spPr>
           <a:xfrm>
-            <a:off x="3084489" y="3079603"/>
-            <a:ext cx="2615919" cy="584775"/>
+            <a:off x="3306330" y="2937753"/>
+            <a:ext cx="1588897" cy="830997"/>
           </a:xfrm>
           <a:prstGeom prst="rect">
             <a:avLst/>
@@ -5002,16 +5244,337 @@
           <a:noFill/>
         </p:spPr>
         <p:txBody>
+          <a:bodyPr wrap="none" rtlCol="0">
+            <a:spAutoFit/>
+          </a:bodyPr>
+          <a:lstStyle/>
+          <a:p>
+            <a:r>
+              <a:rPr lang="en-US" sz="4800" dirty="0" smtClean="0"/>
+              <a:t>HOLA</a:t>
+            </a:r>
+            <a:endParaRPr lang="en-US" sz="4800" dirty="0"/>
+          </a:p>
+        </p:txBody>
+      </p:sp>
+      <p:sp>
+        <p:nvSpPr>
+          <p:cNvPr id="5" name="TextBox 4"/>
+          <p:cNvSpPr txBox="1"/>
+          <p:nvPr/>
+        </p:nvSpPr>
+        <p:spPr>
+          <a:xfrm>
+            <a:off x="2766119" y="1712069"/>
+            <a:ext cx="2669320" cy="584775"/>
+          </a:xfrm>
+          <a:prstGeom prst="rect">
+            <a:avLst/>
+          </a:prstGeom>
+          <a:noFill/>
+        </p:spPr>
+        <p:txBody>
+          <a:bodyPr wrap="none" rtlCol="0">
+            <a:spAutoFit/>
+          </a:bodyPr>
+          <a:lstStyle/>
+          <a:p>
+            <a:r>
+              <a:rPr lang="en-US" sz="3200" dirty="0" err="1" smtClean="0"/>
+              <a:t>Qué</a:t>
+            </a:r>
+            <a:r>
+              <a:rPr lang="en-US" sz="3200" dirty="0" smtClean="0"/>
+              <a:t> dice </a:t>
+            </a:r>
+            <a:r>
+              <a:rPr lang="en-US" sz="3200" dirty="0" err="1" smtClean="0"/>
+              <a:t>aquí</a:t>
+            </a:r>
+            <a:r>
+              <a:rPr lang="en-US" sz="3200" dirty="0" smtClean="0"/>
+              <a:t>?</a:t>
+            </a:r>
+            <a:endParaRPr lang="en-US" sz="3200" dirty="0"/>
+          </a:p>
+        </p:txBody>
+      </p:sp>
+      <p:pic>
+        <p:nvPicPr>
+          <p:cNvPr id="2" name="Picture 1"/>
+          <p:cNvPicPr>
+            <a:picLocks noChangeAspect="1"/>
+          </p:cNvPicPr>
+          <p:nvPr/>
+        </p:nvPicPr>
+        <p:blipFill>
+          <a:blip r:embed="rId2">
+            <a:extLst>
+              <a:ext uri="{28A0092B-C50C-407E-A947-70E740481C1C}">
+                <a14:useLocalDpi xmlns:a14="http://schemas.microsoft.com/office/drawing/2010/main" val="0"/>
+              </a:ext>
+            </a:extLst>
+          </a:blip>
+          <a:stretch>
+            <a:fillRect/>
+          </a:stretch>
+        </p:blipFill>
+        <p:spPr>
+          <a:xfrm>
+            <a:off x="2812473" y="2691246"/>
+            <a:ext cx="2743200" cy="1447800"/>
+          </a:xfrm>
+          <a:prstGeom prst="rect">
+            <a:avLst/>
+          </a:prstGeom>
+        </p:spPr>
+      </p:pic>
+    </p:spTree>
+    <p:extLst>
+      <p:ext uri="{BB962C8B-B14F-4D97-AF65-F5344CB8AC3E}">
+        <p14:creationId xmlns:p14="http://schemas.microsoft.com/office/powerpoint/2010/main" val="583661413"/>
+      </p:ext>
+    </p:extLst>
+  </p:cSld>
+  <p:clrMapOvr>
+    <a:masterClrMapping/>
+  </p:clrMapOvr>
+  <p:timing>
+    <p:tnLst>
+      <p:par>
+        <p:cTn id="1" dur="indefinite" restart="never" nodeType="tmRoot"/>
+      </p:par>
+    </p:tnLst>
+  </p:timing>
+</p:sld>
+</file>
+
+<file path=ppt/slides/slide5.xml><?xml version="1.0" encoding="utf-8"?>
+<p:sld xmlns:a="http://schemas.openxmlformats.org/drawingml/2006/main" xmlns:r="http://schemas.openxmlformats.org/officeDocument/2006/relationships" xmlns:p="http://schemas.openxmlformats.org/presentationml/2006/main">
+  <p:cSld>
+    <p:spTree>
+      <p:nvGrpSpPr>
+        <p:cNvPr id="1" name=""/>
+        <p:cNvGrpSpPr/>
+        <p:nvPr/>
+      </p:nvGrpSpPr>
+      <p:grpSpPr>
+        <a:xfrm>
+          <a:off x="0" y="0"/>
+          <a:ext cx="0" cy="0"/>
+          <a:chOff x="0" y="0"/>
+          <a:chExt cx="0" cy="0"/>
+        </a:xfrm>
+      </p:grpSpPr>
+      <p:sp>
+        <p:nvSpPr>
+          <p:cNvPr id="4" name="TextBox 3"/>
+          <p:cNvSpPr txBox="1"/>
+          <p:nvPr/>
+        </p:nvSpPr>
+        <p:spPr>
+          <a:xfrm>
+            <a:off x="3306330" y="2937753"/>
+            <a:ext cx="1588897" cy="830997"/>
+          </a:xfrm>
+          <a:prstGeom prst="rect">
+            <a:avLst/>
+          </a:prstGeom>
+          <a:noFill/>
+        </p:spPr>
+        <p:txBody>
+          <a:bodyPr wrap="none" rtlCol="0">
+            <a:spAutoFit/>
+          </a:bodyPr>
+          <a:lstStyle/>
+          <a:p>
+            <a:r>
+              <a:rPr lang="en-US" sz="4800" dirty="0" smtClean="0"/>
+              <a:t>HOLA</a:t>
+            </a:r>
+            <a:endParaRPr lang="en-US" sz="4800" dirty="0"/>
+          </a:p>
+        </p:txBody>
+      </p:sp>
+      <p:sp>
+        <p:nvSpPr>
+          <p:cNvPr id="5" name="TextBox 4"/>
+          <p:cNvSpPr txBox="1"/>
+          <p:nvPr/>
+        </p:nvSpPr>
+        <p:spPr>
+          <a:xfrm>
+            <a:off x="2766119" y="1712069"/>
+            <a:ext cx="2669320" cy="584775"/>
+          </a:xfrm>
+          <a:prstGeom prst="rect">
+            <a:avLst/>
+          </a:prstGeom>
+          <a:noFill/>
+        </p:spPr>
+        <p:txBody>
+          <a:bodyPr wrap="none" rtlCol="0">
+            <a:spAutoFit/>
+          </a:bodyPr>
+          <a:lstStyle/>
+          <a:p>
+            <a:r>
+              <a:rPr lang="en-US" sz="3200" dirty="0" err="1" smtClean="0"/>
+              <a:t>Qué</a:t>
+            </a:r>
+            <a:r>
+              <a:rPr lang="en-US" sz="3200" dirty="0" smtClean="0"/>
+              <a:t> dice </a:t>
+            </a:r>
+            <a:r>
+              <a:rPr lang="en-US" sz="3200" dirty="0" err="1" smtClean="0"/>
+              <a:t>aquí</a:t>
+            </a:r>
+            <a:r>
+              <a:rPr lang="en-US" sz="3200" dirty="0" smtClean="0"/>
+              <a:t>?</a:t>
+            </a:r>
+            <a:endParaRPr lang="en-US" sz="3200" dirty="0"/>
+          </a:p>
+        </p:txBody>
+      </p:sp>
+      <p:pic>
+        <p:nvPicPr>
+          <p:cNvPr id="2" name="Picture 1"/>
+          <p:cNvPicPr>
+            <a:picLocks noChangeAspect="1"/>
+          </p:cNvPicPr>
+          <p:nvPr/>
+        </p:nvPicPr>
+        <p:blipFill>
+          <a:blip r:embed="rId2">
+            <a:extLst>
+              <a:ext uri="{28A0092B-C50C-407E-A947-70E740481C1C}">
+                <a14:useLocalDpi xmlns:a14="http://schemas.microsoft.com/office/drawing/2010/main" val="0"/>
+              </a:ext>
+            </a:extLst>
+          </a:blip>
+          <a:stretch>
+            <a:fillRect/>
+          </a:stretch>
+        </p:blipFill>
+        <p:spPr>
+          <a:xfrm>
+            <a:off x="2482273" y="2691246"/>
+            <a:ext cx="3403600" cy="1447800"/>
+          </a:xfrm>
+          <a:prstGeom prst="rect">
+            <a:avLst/>
+          </a:prstGeom>
+        </p:spPr>
+      </p:pic>
+    </p:spTree>
+    <p:extLst>
+      <p:ext uri="{BB962C8B-B14F-4D97-AF65-F5344CB8AC3E}">
+        <p14:creationId xmlns:p14="http://schemas.microsoft.com/office/powerpoint/2010/main" val="2039552442"/>
+      </p:ext>
+    </p:extLst>
+  </p:cSld>
+  <p:clrMapOvr>
+    <a:masterClrMapping/>
+  </p:clrMapOvr>
+  <p:timing>
+    <p:tnLst>
+      <p:par>
+        <p:cTn id="1" dur="indefinite" restart="never" nodeType="tmRoot"/>
+      </p:par>
+    </p:tnLst>
+  </p:timing>
+</p:sld>
+</file>
+
+<file path=ppt/slides/slide6.xml><?xml version="1.0" encoding="utf-8"?>
+<p:sld xmlns:a="http://schemas.openxmlformats.org/drawingml/2006/main" xmlns:r="http://schemas.openxmlformats.org/officeDocument/2006/relationships" xmlns:p="http://schemas.openxmlformats.org/presentationml/2006/main">
+  <p:cSld>
+    <p:spTree>
+      <p:nvGrpSpPr>
+        <p:cNvPr id="1" name=""/>
+        <p:cNvGrpSpPr/>
+        <p:nvPr/>
+      </p:nvGrpSpPr>
+      <p:grpSpPr>
+        <a:xfrm>
+          <a:off x="0" y="0"/>
+          <a:ext cx="0" cy="0"/>
+          <a:chOff x="0" y="0"/>
+          <a:chExt cx="0" cy="0"/>
+        </a:xfrm>
+      </p:grpSpPr>
+      <p:sp>
+        <p:nvSpPr>
+          <p:cNvPr id="5" name="TextBox 4"/>
+          <p:cNvSpPr txBox="1"/>
+          <p:nvPr/>
+        </p:nvSpPr>
+        <p:spPr>
+          <a:xfrm>
+            <a:off x="2766119" y="1712069"/>
+            <a:ext cx="2669320" cy="584775"/>
+          </a:xfrm>
+          <a:prstGeom prst="rect">
+            <a:avLst/>
+          </a:prstGeom>
+          <a:noFill/>
+        </p:spPr>
+        <p:txBody>
+          <a:bodyPr wrap="none" rtlCol="0">
+            <a:spAutoFit/>
+          </a:bodyPr>
+          <a:lstStyle/>
+          <a:p>
+            <a:r>
+              <a:rPr lang="en-US" sz="3200" dirty="0" err="1" smtClean="0"/>
+              <a:t>Qué</a:t>
+            </a:r>
+            <a:r>
+              <a:rPr lang="en-US" sz="3200" dirty="0" smtClean="0"/>
+              <a:t> dice </a:t>
+            </a:r>
+            <a:r>
+              <a:rPr lang="en-US" sz="3200" dirty="0" err="1" smtClean="0"/>
+              <a:t>aquí</a:t>
+            </a:r>
+            <a:r>
+              <a:rPr lang="en-US" sz="3200" dirty="0" smtClean="0"/>
+              <a:t>?</a:t>
+            </a:r>
+            <a:endParaRPr lang="en-US" sz="3200" dirty="0"/>
+          </a:p>
+        </p:txBody>
+      </p:sp>
+      <p:sp>
+        <p:nvSpPr>
+          <p:cNvPr id="6" name="TextBox 5"/>
+          <p:cNvSpPr txBox="1"/>
+          <p:nvPr/>
+        </p:nvSpPr>
+        <p:spPr>
+          <a:xfrm>
+            <a:off x="2738119" y="3079603"/>
+            <a:ext cx="2615919" cy="707886"/>
+          </a:xfrm>
+          <a:prstGeom prst="rect">
+            <a:avLst/>
+          </a:prstGeom>
+          <a:noFill/>
+        </p:spPr>
+        <p:txBody>
           <a:bodyPr wrap="square" rtlCol="0">
             <a:spAutoFit/>
           </a:bodyPr>
           <a:lstStyle/>
           <a:p>
-            <a:r>
-              <a:rPr lang="ko-KR" altLang="en-US" sz="3200" dirty="0" smtClean="0"/>
+            <a:pPr algn="ctr"/>
+            <a:r>
+              <a:rPr lang="ko-KR" altLang="en-US" sz="4000" dirty="0" smtClean="0"/>
               <a:t>패턴 인식</a:t>
             </a:r>
-            <a:endParaRPr lang="en-US" sz="3200" dirty="0"/>
+            <a:endParaRPr lang="en-US" sz="4000" dirty="0"/>
           </a:p>
         </p:txBody>
       </p:sp>

--- a/clases/Cap01_Introduccion/presentations/PAT01_EjercicioReconocimiento.pptx
+++ b/clases/Cap01_Introduccion/presentations/PAT01_EjercicioReconocimiento.pptx
@@ -213,7 +213,7 @@
           <a:p>
             <a:fld id="{E1A2DB10-478C-9D45-992B-D85CE8489EC5}" type="datetimeFigureOut">
               <a:rPr lang="en-US" smtClean="0"/>
-              <a:t>3/12/19</a:t>
+              <a:t>3/7/22</a:t>
             </a:fld>
             <a:endParaRPr lang="en-US"/>
           </a:p>
@@ -277,38 +277,37 @@
           <a:p>
             <a:pPr lvl="0"/>
             <a:r>
-              <a:rPr lang="en-US" smtClean="0"/>
+              <a:rPr lang="en-US"/>
               <a:t>Click to edit Master text styles</a:t>
             </a:r>
           </a:p>
           <a:p>
             <a:pPr lvl="1"/>
             <a:r>
-              <a:rPr lang="en-US" smtClean="0"/>
+              <a:rPr lang="en-US"/>
               <a:t>Second level</a:t>
             </a:r>
           </a:p>
           <a:p>
             <a:pPr lvl="2"/>
             <a:r>
-              <a:rPr lang="en-US" smtClean="0"/>
+              <a:rPr lang="en-US"/>
               <a:t>Third level</a:t>
             </a:r>
           </a:p>
           <a:p>
             <a:pPr lvl="3"/>
             <a:r>
-              <a:rPr lang="en-US" smtClean="0"/>
+              <a:rPr lang="en-US"/>
               <a:t>Fourth level</a:t>
             </a:r>
           </a:p>
           <a:p>
             <a:pPr lvl="4"/>
             <a:r>
-              <a:rPr lang="en-US" smtClean="0"/>
+              <a:rPr lang="en-US"/>
               <a:t>Fifth level</a:t>
             </a:r>
-            <a:endParaRPr lang="en-US"/>
           </a:p>
         </p:txBody>
       </p:sp>
@@ -557,7 +556,7 @@
           <a:lstStyle/>
           <a:p>
             <a:pPr eaLnBrk="1" hangingPunct="1"/>
-            <a:endParaRPr lang="es-ES" smtClean="0"/>
+            <a:endParaRPr lang="es-ES"/>
           </a:p>
         </p:txBody>
       </p:sp>
@@ -612,10 +611,9 @@
           <a:lstStyle/>
           <a:p>
             <a:r>
-              <a:rPr lang="en-US" smtClean="0"/>
+              <a:rPr lang="en-US"/>
               <a:t>Click to edit Master title style</a:t>
             </a:r>
-            <a:endParaRPr lang="en-US"/>
           </a:p>
         </p:txBody>
       </p:sp>
@@ -731,10 +729,9 @@
           </a:lstStyle>
           <a:p>
             <a:r>
-              <a:rPr lang="en-US" smtClean="0"/>
+              <a:rPr lang="en-US"/>
               <a:t>Click to edit Master subtitle style</a:t>
             </a:r>
-            <a:endParaRPr lang="en-US"/>
           </a:p>
         </p:txBody>
       </p:sp>
@@ -755,7 +752,7 @@
           <a:p>
             <a:fld id="{34DB2E79-AEAF-684C-8B38-C0D98970A901}" type="datetimeFigureOut">
               <a:rPr lang="en-US" smtClean="0"/>
-              <a:t>3/12/19</a:t>
+              <a:t>3/7/22</a:t>
             </a:fld>
             <a:endParaRPr lang="en-US"/>
           </a:p>
@@ -849,10 +846,9 @@
           <a:lstStyle/>
           <a:p>
             <a:r>
-              <a:rPr lang="en-US" smtClean="0"/>
+              <a:rPr lang="en-US"/>
               <a:t>Click to edit Master title style</a:t>
             </a:r>
-            <a:endParaRPr lang="en-US"/>
           </a:p>
         </p:txBody>
       </p:sp>
@@ -873,38 +869,37 @@
           <a:p>
             <a:pPr lvl="0"/>
             <a:r>
-              <a:rPr lang="en-US" smtClean="0"/>
+              <a:rPr lang="en-US"/>
               <a:t>Click to edit Master text styles</a:t>
             </a:r>
           </a:p>
           <a:p>
             <a:pPr lvl="1"/>
             <a:r>
-              <a:rPr lang="en-US" smtClean="0"/>
+              <a:rPr lang="en-US"/>
               <a:t>Second level</a:t>
             </a:r>
           </a:p>
           <a:p>
             <a:pPr lvl="2"/>
             <a:r>
-              <a:rPr lang="en-US" smtClean="0"/>
+              <a:rPr lang="en-US"/>
               <a:t>Third level</a:t>
             </a:r>
           </a:p>
           <a:p>
             <a:pPr lvl="3"/>
             <a:r>
-              <a:rPr lang="en-US" smtClean="0"/>
+              <a:rPr lang="en-US"/>
               <a:t>Fourth level</a:t>
             </a:r>
           </a:p>
           <a:p>
             <a:pPr lvl="4"/>
             <a:r>
-              <a:rPr lang="en-US" smtClean="0"/>
+              <a:rPr lang="en-US"/>
               <a:t>Fifth level</a:t>
             </a:r>
-            <a:endParaRPr lang="en-US"/>
           </a:p>
         </p:txBody>
       </p:sp>
@@ -925,7 +920,7 @@
           <a:p>
             <a:fld id="{34DB2E79-AEAF-684C-8B38-C0D98970A901}" type="datetimeFigureOut">
               <a:rPr lang="en-US" smtClean="0"/>
-              <a:t>3/12/19</a:t>
+              <a:t>3/7/22</a:t>
             </a:fld>
             <a:endParaRPr lang="en-US"/>
           </a:p>
@@ -1024,10 +1019,9 @@
           <a:lstStyle/>
           <a:p>
             <a:r>
-              <a:rPr lang="en-US" smtClean="0"/>
+              <a:rPr lang="en-US"/>
               <a:t>Click to edit Master title style</a:t>
             </a:r>
-            <a:endParaRPr lang="en-US"/>
           </a:p>
         </p:txBody>
       </p:sp>
@@ -1053,38 +1047,37 @@
           <a:p>
             <a:pPr lvl="0"/>
             <a:r>
-              <a:rPr lang="en-US" smtClean="0"/>
+              <a:rPr lang="en-US"/>
               <a:t>Click to edit Master text styles</a:t>
             </a:r>
           </a:p>
           <a:p>
             <a:pPr lvl="1"/>
             <a:r>
-              <a:rPr lang="en-US" smtClean="0"/>
+              <a:rPr lang="en-US"/>
               <a:t>Second level</a:t>
             </a:r>
           </a:p>
           <a:p>
             <a:pPr lvl="2"/>
             <a:r>
-              <a:rPr lang="en-US" smtClean="0"/>
+              <a:rPr lang="en-US"/>
               <a:t>Third level</a:t>
             </a:r>
           </a:p>
           <a:p>
             <a:pPr lvl="3"/>
             <a:r>
-              <a:rPr lang="en-US" smtClean="0"/>
+              <a:rPr lang="en-US"/>
               <a:t>Fourth level</a:t>
             </a:r>
           </a:p>
           <a:p>
             <a:pPr lvl="4"/>
             <a:r>
-              <a:rPr lang="en-US" smtClean="0"/>
+              <a:rPr lang="en-US"/>
               <a:t>Fifth level</a:t>
             </a:r>
-            <a:endParaRPr lang="en-US"/>
           </a:p>
         </p:txBody>
       </p:sp>
@@ -1105,7 +1098,7 @@
           <a:p>
             <a:fld id="{34DB2E79-AEAF-684C-8B38-C0D98970A901}" type="datetimeFigureOut">
               <a:rPr lang="en-US" smtClean="0"/>
-              <a:t>3/12/19</a:t>
+              <a:t>3/7/22</a:t>
             </a:fld>
             <a:endParaRPr lang="en-US"/>
           </a:p>
@@ -1199,10 +1192,9 @@
           <a:lstStyle/>
           <a:p>
             <a:r>
-              <a:rPr lang="en-US" smtClean="0"/>
+              <a:rPr lang="en-US"/>
               <a:t>Click to edit Master title style</a:t>
             </a:r>
-            <a:endParaRPr lang="en-US"/>
           </a:p>
         </p:txBody>
       </p:sp>
@@ -1223,38 +1215,37 @@
           <a:p>
             <a:pPr lvl="0"/>
             <a:r>
-              <a:rPr lang="en-US" smtClean="0"/>
+              <a:rPr lang="en-US"/>
               <a:t>Click to edit Master text styles</a:t>
             </a:r>
           </a:p>
           <a:p>
             <a:pPr lvl="1"/>
             <a:r>
-              <a:rPr lang="en-US" smtClean="0"/>
+              <a:rPr lang="en-US"/>
               <a:t>Second level</a:t>
             </a:r>
           </a:p>
           <a:p>
             <a:pPr lvl="2"/>
             <a:r>
-              <a:rPr lang="en-US" smtClean="0"/>
+              <a:rPr lang="en-US"/>
               <a:t>Third level</a:t>
             </a:r>
           </a:p>
           <a:p>
             <a:pPr lvl="3"/>
             <a:r>
-              <a:rPr lang="en-US" smtClean="0"/>
+              <a:rPr lang="en-US"/>
               <a:t>Fourth level</a:t>
             </a:r>
           </a:p>
           <a:p>
             <a:pPr lvl="4"/>
             <a:r>
-              <a:rPr lang="en-US" smtClean="0"/>
+              <a:rPr lang="en-US"/>
               <a:t>Fifth level</a:t>
             </a:r>
-            <a:endParaRPr lang="en-US"/>
           </a:p>
         </p:txBody>
       </p:sp>
@@ -1275,7 +1266,7 @@
           <a:p>
             <a:fld id="{34DB2E79-AEAF-684C-8B38-C0D98970A901}" type="datetimeFigureOut">
               <a:rPr lang="en-US" smtClean="0"/>
-              <a:t>3/12/19</a:t>
+              <a:t>3/7/22</a:t>
             </a:fld>
             <a:endParaRPr lang="en-US"/>
           </a:p>
@@ -1378,10 +1369,9 @@
           </a:lstStyle>
           <a:p>
             <a:r>
-              <a:rPr lang="en-US" smtClean="0"/>
+              <a:rPr lang="en-US"/>
               <a:t>Click to edit Master title style</a:t>
             </a:r>
-            <a:endParaRPr lang="en-US"/>
           </a:p>
         </p:txBody>
       </p:sp>
@@ -1498,7 +1488,7 @@
           <a:p>
             <a:pPr lvl="0"/>
             <a:r>
-              <a:rPr lang="en-US" smtClean="0"/>
+              <a:rPr lang="en-US"/>
               <a:t>Click to edit Master text styles</a:t>
             </a:r>
           </a:p>
@@ -1521,7 +1511,7 @@
           <a:p>
             <a:fld id="{34DB2E79-AEAF-684C-8B38-C0D98970A901}" type="datetimeFigureOut">
               <a:rPr lang="en-US" smtClean="0"/>
-              <a:t>3/12/19</a:t>
+              <a:t>3/7/22</a:t>
             </a:fld>
             <a:endParaRPr lang="en-US"/>
           </a:p>
@@ -1615,10 +1605,9 @@
           <a:lstStyle/>
           <a:p>
             <a:r>
-              <a:rPr lang="en-US" smtClean="0"/>
+              <a:rPr lang="en-US"/>
               <a:t>Click to edit Master title style</a:t>
             </a:r>
-            <a:endParaRPr lang="en-US"/>
           </a:p>
         </p:txBody>
       </p:sp>
@@ -1672,38 +1661,37 @@
           <a:p>
             <a:pPr lvl="0"/>
             <a:r>
-              <a:rPr lang="en-US" smtClean="0"/>
+              <a:rPr lang="en-US"/>
               <a:t>Click to edit Master text styles</a:t>
             </a:r>
           </a:p>
           <a:p>
             <a:pPr lvl="1"/>
             <a:r>
-              <a:rPr lang="en-US" smtClean="0"/>
+              <a:rPr lang="en-US"/>
               <a:t>Second level</a:t>
             </a:r>
           </a:p>
           <a:p>
             <a:pPr lvl="2"/>
             <a:r>
-              <a:rPr lang="en-US" smtClean="0"/>
+              <a:rPr lang="en-US"/>
               <a:t>Third level</a:t>
             </a:r>
           </a:p>
           <a:p>
             <a:pPr lvl="3"/>
             <a:r>
-              <a:rPr lang="en-US" smtClean="0"/>
+              <a:rPr lang="en-US"/>
               <a:t>Fourth level</a:t>
             </a:r>
           </a:p>
           <a:p>
             <a:pPr lvl="4"/>
             <a:r>
-              <a:rPr lang="en-US" smtClean="0"/>
+              <a:rPr lang="en-US"/>
               <a:t>Fifth level</a:t>
             </a:r>
-            <a:endParaRPr lang="en-US"/>
           </a:p>
         </p:txBody>
       </p:sp>
@@ -1757,38 +1745,37 @@
           <a:p>
             <a:pPr lvl="0"/>
             <a:r>
-              <a:rPr lang="en-US" smtClean="0"/>
+              <a:rPr lang="en-US"/>
               <a:t>Click to edit Master text styles</a:t>
             </a:r>
           </a:p>
           <a:p>
             <a:pPr lvl="1"/>
             <a:r>
-              <a:rPr lang="en-US" smtClean="0"/>
+              <a:rPr lang="en-US"/>
               <a:t>Second level</a:t>
             </a:r>
           </a:p>
           <a:p>
             <a:pPr lvl="2"/>
             <a:r>
-              <a:rPr lang="en-US" smtClean="0"/>
+              <a:rPr lang="en-US"/>
               <a:t>Third level</a:t>
             </a:r>
           </a:p>
           <a:p>
             <a:pPr lvl="3"/>
             <a:r>
-              <a:rPr lang="en-US" smtClean="0"/>
+              <a:rPr lang="en-US"/>
               <a:t>Fourth level</a:t>
             </a:r>
           </a:p>
           <a:p>
             <a:pPr lvl="4"/>
             <a:r>
-              <a:rPr lang="en-US" smtClean="0"/>
+              <a:rPr lang="en-US"/>
               <a:t>Fifth level</a:t>
             </a:r>
-            <a:endParaRPr lang="en-US"/>
           </a:p>
         </p:txBody>
       </p:sp>
@@ -1809,7 +1796,7 @@
           <a:p>
             <a:fld id="{34DB2E79-AEAF-684C-8B38-C0D98970A901}" type="datetimeFigureOut">
               <a:rPr lang="en-US" smtClean="0"/>
-              <a:t>3/12/19</a:t>
+              <a:t>3/7/22</a:t>
             </a:fld>
             <a:endParaRPr lang="en-US"/>
           </a:p>
@@ -1907,10 +1894,9 @@
           </a:lstStyle>
           <a:p>
             <a:r>
-              <a:rPr lang="en-US" smtClean="0"/>
+              <a:rPr lang="en-US"/>
               <a:t>Click to edit Master title style</a:t>
             </a:r>
-            <a:endParaRPr lang="en-US"/>
           </a:p>
         </p:txBody>
       </p:sp>
@@ -1973,7 +1959,7 @@
           <a:p>
             <a:pPr lvl="0"/>
             <a:r>
-              <a:rPr lang="en-US" smtClean="0"/>
+              <a:rPr lang="en-US"/>
               <a:t>Click to edit Master text styles</a:t>
             </a:r>
           </a:p>
@@ -2029,38 +2015,37 @@
           <a:p>
             <a:pPr lvl="0"/>
             <a:r>
-              <a:rPr lang="en-US" smtClean="0"/>
+              <a:rPr lang="en-US"/>
               <a:t>Click to edit Master text styles</a:t>
             </a:r>
           </a:p>
           <a:p>
             <a:pPr lvl="1"/>
             <a:r>
-              <a:rPr lang="en-US" smtClean="0"/>
+              <a:rPr lang="en-US"/>
               <a:t>Second level</a:t>
             </a:r>
           </a:p>
           <a:p>
             <a:pPr lvl="2"/>
             <a:r>
-              <a:rPr lang="en-US" smtClean="0"/>
+              <a:rPr lang="en-US"/>
               <a:t>Third level</a:t>
             </a:r>
           </a:p>
           <a:p>
             <a:pPr lvl="3"/>
             <a:r>
-              <a:rPr lang="en-US" smtClean="0"/>
+              <a:rPr lang="en-US"/>
               <a:t>Fourth level</a:t>
             </a:r>
           </a:p>
           <a:p>
             <a:pPr lvl="4"/>
             <a:r>
-              <a:rPr lang="en-US" smtClean="0"/>
+              <a:rPr lang="en-US"/>
               <a:t>Fifth level</a:t>
             </a:r>
-            <a:endParaRPr lang="en-US"/>
           </a:p>
         </p:txBody>
       </p:sp>
@@ -2123,7 +2108,7 @@
           <a:p>
             <a:pPr lvl="0"/>
             <a:r>
-              <a:rPr lang="en-US" smtClean="0"/>
+              <a:rPr lang="en-US"/>
               <a:t>Click to edit Master text styles</a:t>
             </a:r>
           </a:p>
@@ -2179,38 +2164,37 @@
           <a:p>
             <a:pPr lvl="0"/>
             <a:r>
-              <a:rPr lang="en-US" smtClean="0"/>
+              <a:rPr lang="en-US"/>
               <a:t>Click to edit Master text styles</a:t>
             </a:r>
           </a:p>
           <a:p>
             <a:pPr lvl="1"/>
             <a:r>
-              <a:rPr lang="en-US" smtClean="0"/>
+              <a:rPr lang="en-US"/>
               <a:t>Second level</a:t>
             </a:r>
           </a:p>
           <a:p>
             <a:pPr lvl="2"/>
             <a:r>
-              <a:rPr lang="en-US" smtClean="0"/>
+              <a:rPr lang="en-US"/>
               <a:t>Third level</a:t>
             </a:r>
           </a:p>
           <a:p>
             <a:pPr lvl="3"/>
             <a:r>
-              <a:rPr lang="en-US" smtClean="0"/>
+              <a:rPr lang="en-US"/>
               <a:t>Fourth level</a:t>
             </a:r>
           </a:p>
           <a:p>
             <a:pPr lvl="4"/>
             <a:r>
-              <a:rPr lang="en-US" smtClean="0"/>
+              <a:rPr lang="en-US"/>
               <a:t>Fifth level</a:t>
             </a:r>
-            <a:endParaRPr lang="en-US"/>
           </a:p>
         </p:txBody>
       </p:sp>
@@ -2231,7 +2215,7 @@
           <a:p>
             <a:fld id="{34DB2E79-AEAF-684C-8B38-C0D98970A901}" type="datetimeFigureOut">
               <a:rPr lang="en-US" smtClean="0"/>
-              <a:t>3/12/19</a:t>
+              <a:t>3/7/22</a:t>
             </a:fld>
             <a:endParaRPr lang="en-US"/>
           </a:p>
@@ -2325,10 +2309,9 @@
           <a:lstStyle/>
           <a:p>
             <a:r>
-              <a:rPr lang="en-US" smtClean="0"/>
+              <a:rPr lang="en-US"/>
               <a:t>Click to edit Master title style</a:t>
             </a:r>
-            <a:endParaRPr lang="en-US"/>
           </a:p>
         </p:txBody>
       </p:sp>
@@ -2349,7 +2332,7 @@
           <a:p>
             <a:fld id="{34DB2E79-AEAF-684C-8B38-C0D98970A901}" type="datetimeFigureOut">
               <a:rPr lang="en-US" smtClean="0"/>
-              <a:t>3/12/19</a:t>
+              <a:t>3/7/22</a:t>
             </a:fld>
             <a:endParaRPr lang="en-US"/>
           </a:p>
@@ -2444,7 +2427,7 @@
           <a:p>
             <a:fld id="{34DB2E79-AEAF-684C-8B38-C0D98970A901}" type="datetimeFigureOut">
               <a:rPr lang="en-US" smtClean="0"/>
-              <a:t>3/12/19</a:t>
+              <a:t>3/7/22</a:t>
             </a:fld>
             <a:endParaRPr lang="en-US"/>
           </a:p>
@@ -2547,10 +2530,9 @@
           </a:lstStyle>
           <a:p>
             <a:r>
-              <a:rPr lang="en-US" smtClean="0"/>
+              <a:rPr lang="en-US"/>
               <a:t>Click to edit Master title style</a:t>
             </a:r>
-            <a:endParaRPr lang="en-US"/>
           </a:p>
         </p:txBody>
       </p:sp>
@@ -2604,38 +2586,37 @@
           <a:p>
             <a:pPr lvl="0"/>
             <a:r>
-              <a:rPr lang="en-US" smtClean="0"/>
+              <a:rPr lang="en-US"/>
               <a:t>Click to edit Master text styles</a:t>
             </a:r>
           </a:p>
           <a:p>
             <a:pPr lvl="1"/>
             <a:r>
-              <a:rPr lang="en-US" smtClean="0"/>
+              <a:rPr lang="en-US"/>
               <a:t>Second level</a:t>
             </a:r>
           </a:p>
           <a:p>
             <a:pPr lvl="2"/>
             <a:r>
-              <a:rPr lang="en-US" smtClean="0"/>
+              <a:rPr lang="en-US"/>
               <a:t>Third level</a:t>
             </a:r>
           </a:p>
           <a:p>
             <a:pPr lvl="3"/>
             <a:r>
-              <a:rPr lang="en-US" smtClean="0"/>
+              <a:rPr lang="en-US"/>
               <a:t>Fourth level</a:t>
             </a:r>
           </a:p>
           <a:p>
             <a:pPr lvl="4"/>
             <a:r>
-              <a:rPr lang="en-US" smtClean="0"/>
+              <a:rPr lang="en-US"/>
               <a:t>Fifth level</a:t>
             </a:r>
-            <a:endParaRPr lang="en-US"/>
           </a:p>
         </p:txBody>
       </p:sp>
@@ -2698,7 +2679,7 @@
           <a:p>
             <a:pPr lvl="0"/>
             <a:r>
-              <a:rPr lang="en-US" smtClean="0"/>
+              <a:rPr lang="en-US"/>
               <a:t>Click to edit Master text styles</a:t>
             </a:r>
           </a:p>
@@ -2721,7 +2702,7 @@
           <a:p>
             <a:fld id="{34DB2E79-AEAF-684C-8B38-C0D98970A901}" type="datetimeFigureOut">
               <a:rPr lang="en-US" smtClean="0"/>
-              <a:t>3/12/19</a:t>
+              <a:t>3/7/22</a:t>
             </a:fld>
             <a:endParaRPr lang="en-US"/>
           </a:p>
@@ -2824,10 +2805,9 @@
           </a:lstStyle>
           <a:p>
             <a:r>
-              <a:rPr lang="en-US" smtClean="0"/>
+              <a:rPr lang="en-US"/>
               <a:t>Click to edit Master title style</a:t>
             </a:r>
-            <a:endParaRPr lang="en-US"/>
           </a:p>
         </p:txBody>
       </p:sp>
@@ -2951,7 +2931,7 @@
           <a:p>
             <a:pPr lvl="0"/>
             <a:r>
-              <a:rPr lang="en-US" smtClean="0"/>
+              <a:rPr lang="en-US"/>
               <a:t>Click to edit Master text styles</a:t>
             </a:r>
           </a:p>
@@ -2974,7 +2954,7 @@
           <a:p>
             <a:fld id="{34DB2E79-AEAF-684C-8B38-C0D98970A901}" type="datetimeFigureOut">
               <a:rPr lang="en-US" smtClean="0"/>
-              <a:t>3/12/19</a:t>
+              <a:t>3/7/22</a:t>
             </a:fld>
             <a:endParaRPr lang="en-US"/>
           </a:p>
@@ -3083,10 +3063,9 @@
           <a:lstStyle/>
           <a:p>
             <a:r>
-              <a:rPr lang="en-US" smtClean="0"/>
+              <a:rPr lang="en-US"/>
               <a:t>Click to edit Master title style</a:t>
             </a:r>
-            <a:endParaRPr lang="en-US"/>
           </a:p>
         </p:txBody>
       </p:sp>
@@ -3117,38 +3096,37 @@
           <a:p>
             <a:pPr lvl="0"/>
             <a:r>
-              <a:rPr lang="en-US" smtClean="0"/>
+              <a:rPr lang="en-US"/>
               <a:t>Click to edit Master text styles</a:t>
             </a:r>
           </a:p>
           <a:p>
             <a:pPr lvl="1"/>
             <a:r>
-              <a:rPr lang="en-US" smtClean="0"/>
+              <a:rPr lang="en-US"/>
               <a:t>Second level</a:t>
             </a:r>
           </a:p>
           <a:p>
             <a:pPr lvl="2"/>
             <a:r>
-              <a:rPr lang="en-US" smtClean="0"/>
+              <a:rPr lang="en-US"/>
               <a:t>Third level</a:t>
             </a:r>
           </a:p>
           <a:p>
             <a:pPr lvl="3"/>
             <a:r>
-              <a:rPr lang="en-US" smtClean="0"/>
+              <a:rPr lang="en-US"/>
               <a:t>Fourth level</a:t>
             </a:r>
           </a:p>
           <a:p>
             <a:pPr lvl="4"/>
             <a:r>
-              <a:rPr lang="en-US" smtClean="0"/>
+              <a:rPr lang="en-US"/>
               <a:t>Fifth level</a:t>
             </a:r>
-            <a:endParaRPr lang="en-US"/>
           </a:p>
         </p:txBody>
       </p:sp>
@@ -3187,7 +3165,7 @@
           <a:p>
             <a:fld id="{34DB2E79-AEAF-684C-8B38-C0D98970A901}" type="datetimeFigureOut">
               <a:rPr lang="en-US" smtClean="0"/>
-              <a:t>3/12/19</a:t>
+              <a:t>3/7/22</a:t>
             </a:fld>
             <a:endParaRPr lang="en-US"/>
           </a:p>
@@ -3602,7 +3580,7 @@
           <a:p>
             <a:pPr algn="ctr"/>
             <a:r>
-              <a:rPr lang="es-CL" sz="2400" dirty="0" smtClean="0">
+              <a:rPr lang="es-CL" sz="2400" dirty="0">
                 <a:solidFill>
                   <a:srgbClr val="FF0000"/>
                 </a:solidFill>
@@ -3611,7 +3589,7 @@
               <a:t>R</a:t>
             </a:r>
             <a:r>
-              <a:rPr lang="es-CL" sz="2400" dirty="0" smtClean="0">
+              <a:rPr lang="es-CL" sz="2400" dirty="0">
                 <a:solidFill>
                   <a:srgbClr val="3366FF"/>
                 </a:solidFill>
@@ -3620,7 +3598,7 @@
               <a:t>e</a:t>
             </a:r>
             <a:r>
-              <a:rPr lang="es-CL" sz="2400" dirty="0" smtClean="0">
+              <a:rPr lang="es-CL" sz="2400" dirty="0">
                 <a:solidFill>
                   <a:srgbClr val="FFFF00"/>
                 </a:solidFill>
@@ -3629,7 +3607,7 @@
               <a:t>c</a:t>
             </a:r>
             <a:r>
-              <a:rPr lang="es-CL" sz="2400" dirty="0" smtClean="0">
+              <a:rPr lang="es-CL" sz="2400" dirty="0">
                 <a:solidFill>
                   <a:srgbClr val="00FF00"/>
                 </a:solidFill>
@@ -3638,7 +3616,7 @@
               <a:t>o</a:t>
             </a:r>
             <a:r>
-              <a:rPr lang="es-CL" sz="2400" dirty="0" smtClean="0">
+              <a:rPr lang="es-CL" sz="2400" dirty="0">
                 <a:solidFill>
                   <a:schemeClr val="bg1"/>
                 </a:solidFill>
@@ -3647,7 +3625,7 @@
               <a:t>n</a:t>
             </a:r>
             <a:r>
-              <a:rPr lang="es-CL" sz="2400" dirty="0" smtClean="0">
+              <a:rPr lang="es-CL" sz="2400" dirty="0">
                 <a:solidFill>
                   <a:srgbClr val="FF6600"/>
                 </a:solidFill>
@@ -3656,7 +3634,7 @@
               <a:t>o</a:t>
             </a:r>
             <a:r>
-              <a:rPr lang="es-CL" sz="2400" dirty="0" smtClean="0">
+              <a:rPr lang="es-CL" sz="2400" dirty="0">
                 <a:solidFill>
                   <a:srgbClr val="FF0000"/>
                 </a:solidFill>
@@ -3665,7 +3643,7 @@
               <a:t>c</a:t>
             </a:r>
             <a:r>
-              <a:rPr lang="es-CL" sz="2400" dirty="0" smtClean="0">
+              <a:rPr lang="es-CL" sz="2400" dirty="0">
                 <a:solidFill>
                   <a:srgbClr val="3366FF"/>
                 </a:solidFill>
@@ -3674,7 +3652,7 @@
               <a:t>i</a:t>
             </a:r>
             <a:r>
-              <a:rPr lang="es-CL" sz="2400" dirty="0" smtClean="0">
+              <a:rPr lang="es-CL" sz="2400" dirty="0">
                 <a:solidFill>
                   <a:schemeClr val="bg1"/>
                 </a:solidFill>
@@ -3683,7 +3661,7 @@
               <a:t>m</a:t>
             </a:r>
             <a:r>
-              <a:rPr lang="es-CL" sz="2400" dirty="0" smtClean="0">
+              <a:rPr lang="es-CL" sz="2400" dirty="0">
                 <a:solidFill>
                   <a:srgbClr val="FFFF00"/>
                 </a:solidFill>
@@ -3692,7 +3670,7 @@
               <a:t>i</a:t>
             </a:r>
             <a:r>
-              <a:rPr lang="es-CL" sz="2400" dirty="0" smtClean="0">
+              <a:rPr lang="es-CL" sz="2400" dirty="0">
                 <a:solidFill>
                   <a:srgbClr val="00FF00"/>
                 </a:solidFill>
@@ -3701,7 +3679,7 @@
               <a:t>e</a:t>
             </a:r>
             <a:r>
-              <a:rPr lang="es-CL" sz="2400" dirty="0" smtClean="0">
+              <a:rPr lang="es-CL" sz="2400" dirty="0">
                 <a:solidFill>
                   <a:schemeClr val="bg1"/>
                 </a:solidFill>
@@ -3710,7 +3688,7 @@
               <a:t>n</a:t>
             </a:r>
             <a:r>
-              <a:rPr lang="es-CL" sz="2400" dirty="0" smtClean="0">
+              <a:rPr lang="es-CL" sz="2400" dirty="0">
                 <a:solidFill>
                   <a:srgbClr val="FF6600"/>
                 </a:solidFill>
@@ -3719,7 +3697,7 @@
               <a:t>t</a:t>
             </a:r>
             <a:r>
-              <a:rPr lang="es-CL" sz="2400" dirty="0" smtClean="0">
+              <a:rPr lang="es-CL" sz="2400" dirty="0">
                 <a:solidFill>
                   <a:srgbClr val="FF0000"/>
                 </a:solidFill>
@@ -3728,7 +3706,7 @@
               <a:t>o</a:t>
             </a:r>
             <a:r>
-              <a:rPr lang="es-CL" sz="2400" dirty="0" smtClean="0">
+              <a:rPr lang="es-CL" sz="2400" dirty="0">
                 <a:solidFill>
                   <a:srgbClr val="3333CC"/>
                 </a:solidFill>
@@ -3737,7 +3715,7 @@
               <a:t> </a:t>
             </a:r>
             <a:r>
-              <a:rPr lang="es-CL" sz="2400" dirty="0" smtClean="0">
+              <a:rPr lang="es-CL" sz="2400" dirty="0">
                 <a:solidFill>
                   <a:srgbClr val="3366FF"/>
                 </a:solidFill>
@@ -3746,7 +3724,7 @@
               <a:t>d</a:t>
             </a:r>
             <a:r>
-              <a:rPr lang="es-CL" sz="2400" dirty="0" smtClean="0">
+              <a:rPr lang="es-CL" sz="2400" dirty="0">
                 <a:solidFill>
                   <a:srgbClr val="FFFF00"/>
                 </a:solidFill>
@@ -3755,7 +3733,7 @@
               <a:t>e </a:t>
             </a:r>
             <a:r>
-              <a:rPr lang="es-CL" sz="2400" dirty="0" smtClean="0">
+              <a:rPr lang="es-CL" sz="2400" dirty="0">
                 <a:solidFill>
                   <a:srgbClr val="00FF00"/>
                 </a:solidFill>
@@ -3764,7 +3742,7 @@
               <a:t>P</a:t>
             </a:r>
             <a:r>
-              <a:rPr lang="es-CL" sz="2400" dirty="0" smtClean="0">
+              <a:rPr lang="es-CL" sz="2400" dirty="0">
                 <a:solidFill>
                   <a:schemeClr val="bg1"/>
                 </a:solidFill>
@@ -3773,7 +3751,7 @@
               <a:t>a</a:t>
             </a:r>
             <a:r>
-              <a:rPr lang="es-CL" sz="2400" dirty="0" smtClean="0">
+              <a:rPr lang="es-CL" sz="2400" dirty="0">
                 <a:solidFill>
                   <a:srgbClr val="FF6600"/>
                 </a:solidFill>
@@ -3782,7 +3760,7 @@
               <a:t>t</a:t>
             </a:r>
             <a:r>
-              <a:rPr lang="es-CL" sz="2400" dirty="0" smtClean="0">
+              <a:rPr lang="es-CL" sz="2400" dirty="0">
                 <a:solidFill>
                   <a:srgbClr val="FF0000"/>
                 </a:solidFill>
@@ -3791,7 +3769,7 @@
               <a:t>r</a:t>
             </a:r>
             <a:r>
-              <a:rPr lang="es-CL" sz="2400" dirty="0" smtClean="0">
+              <a:rPr lang="es-CL" sz="2400" dirty="0">
                 <a:solidFill>
                   <a:srgbClr val="3366FF"/>
                 </a:solidFill>
@@ -3800,7 +3778,7 @@
               <a:t>o</a:t>
             </a:r>
             <a:r>
-              <a:rPr lang="es-CL" sz="2400" dirty="0" smtClean="0">
+              <a:rPr lang="es-CL" sz="2400" dirty="0">
                 <a:solidFill>
                   <a:srgbClr val="FFFF00"/>
                 </a:solidFill>
@@ -3809,7 +3787,7 @@
               <a:t>n</a:t>
             </a:r>
             <a:r>
-              <a:rPr lang="es-CL" sz="2400" dirty="0" smtClean="0">
+              <a:rPr lang="es-CL" sz="2400" dirty="0">
                 <a:solidFill>
                   <a:srgbClr val="00FF00"/>
                 </a:solidFill>
@@ -3818,7 +3796,7 @@
               <a:t>e</a:t>
             </a:r>
             <a:r>
-              <a:rPr lang="es-CL" sz="2400" dirty="0" smtClean="0">
+              <a:rPr lang="es-CL" sz="2400" dirty="0">
                 <a:solidFill>
                   <a:schemeClr val="bg1"/>
                 </a:solidFill>
@@ -3826,7 +3804,7 @@
               </a:rPr>
               <a:t>s</a:t>
             </a:r>
-            <a:endParaRPr lang="es-CL" sz="2400" dirty="0" smtClean="0">
+            <a:endParaRPr lang="es-CL" sz="2400" dirty="0">
               <a:solidFill>
                 <a:srgbClr val="FF0000"/>
               </a:solidFill>
@@ -3836,7 +3814,7 @@
           <a:p>
             <a:pPr algn="ctr"/>
             <a:r>
-              <a:rPr lang="es-CL" sz="2400" dirty="0" smtClean="0">
+              <a:rPr lang="es-CL" sz="2400" dirty="0">
                 <a:solidFill>
                   <a:schemeClr val="bg2">
                     <a:lumMod val="60000"/>
@@ -3847,19 +3825,10 @@
               </a:rPr>
               <a:t> </a:t>
             </a:r>
+          </a:p>
+          <a:p>
+            <a:pPr algn="ctr"/>
             <a:endParaRPr lang="es-CL" sz="2400" dirty="0">
-              <a:solidFill>
-                <a:schemeClr val="bg2">
-                  <a:lumMod val="60000"/>
-                  <a:lumOff val="40000"/>
-                </a:schemeClr>
-              </a:solidFill>
-              <a:latin typeface="Trebuchet MS" pitchFamily="34" charset="0"/>
-            </a:endParaRPr>
-          </a:p>
-          <a:p>
-            <a:pPr algn="ctr"/>
-            <a:endParaRPr lang="es-CL" sz="2400" dirty="0" smtClean="0">
               <a:solidFill>
                 <a:srgbClr val="3333CC"/>
               </a:solidFill>
@@ -3930,7 +3899,7 @@
           <a:p>
             <a:pPr algn="ctr"/>
             <a:r>
-              <a:rPr lang="es-CL" sz="1200" dirty="0" smtClean="0">
+              <a:rPr lang="es-CL" sz="1200">
                 <a:solidFill>
                   <a:schemeClr val="bg1">
                     <a:lumMod val="75000"/>
@@ -3938,21 +3907,24 @@
                 </a:solidFill>
                 <a:latin typeface="Trebuchet MS" pitchFamily="34" charset="0"/>
               </a:rPr>
-              <a:t>Departmento de Ciencia de la Computación</a:t>
-            </a:r>
-            <a:endParaRPr lang="es-CL" sz="1200" dirty="0">
-              <a:solidFill>
-                <a:schemeClr val="bg1">
-                  <a:lumMod val="75000"/>
-                </a:schemeClr>
-              </a:solidFill>
-              <a:latin typeface="Trebuchet MS" pitchFamily="34" charset="0"/>
-            </a:endParaRPr>
+              <a:t>Departamento </a:t>
+            </a:r>
+            <a:r>
+              <a:rPr lang="es-CL" sz="1200" dirty="0">
+                <a:solidFill>
+                  <a:schemeClr val="bg1">
+                    <a:lumMod val="75000"/>
+                  </a:schemeClr>
+                </a:solidFill>
+                <a:latin typeface="Trebuchet MS" pitchFamily="34" charset="0"/>
+              </a:rPr>
+              <a:t>de Ciencia de la Computación</a:t>
+            </a:r>
           </a:p>
           <a:p>
             <a:pPr algn="ctr"/>
             <a:r>
-              <a:rPr lang="es-CL" sz="1200" dirty="0" smtClean="0">
+              <a:rPr lang="es-CL" sz="1200" dirty="0">
                 <a:solidFill>
                   <a:schemeClr val="bg1">
                     <a:lumMod val="75000"/>
@@ -3966,7 +3938,7 @@
           <a:p>
             <a:pPr algn="ctr"/>
             <a:r>
-              <a:rPr lang="es-CL" sz="1200" dirty="0" smtClean="0">
+              <a:rPr lang="es-CL" sz="1200" dirty="0">
                 <a:solidFill>
                   <a:schemeClr val="bg1">
                     <a:lumMod val="75000"/>
@@ -3976,14 +3948,6 @@
               </a:rPr>
               <a:t>Universidad Católica de Chile</a:t>
             </a:r>
-            <a:endParaRPr lang="es-CL" sz="1200" dirty="0">
-              <a:solidFill>
-                <a:schemeClr val="bg1">
-                  <a:lumMod val="75000"/>
-                </a:schemeClr>
-              </a:solidFill>
-              <a:latin typeface="Trebuchet MS" pitchFamily="34" charset="0"/>
-            </a:endParaRPr>
           </a:p>
           <a:p>
             <a:pPr algn="ctr"/>
@@ -4022,7 +3986,7 @@
           <a:p>
             <a:pPr algn="ctr"/>
             <a:r>
-              <a:rPr lang="es-CL" sz="2400" b="1" smtClean="0">
+              <a:rPr lang="es-CL" sz="2400" b="1">
                 <a:solidFill>
                   <a:srgbClr val="FFFFFF"/>
                 </a:solidFill>
@@ -4031,7 +3995,7 @@
               </a:rPr>
               <a:t>Reconocimiento Visual (Humano)</a:t>
             </a:r>
-            <a:endParaRPr lang="es-CL" sz="2400" b="1" dirty="0" smtClean="0">
+            <a:endParaRPr lang="es-CL" sz="2400" b="1" dirty="0">
               <a:solidFill>
                 <a:srgbClr val="FFFFFF"/>
               </a:solidFill>
@@ -4860,10 +4824,9 @@
           <a:lstStyle/>
           <a:p>
             <a:r>
-              <a:rPr lang="en-US" sz="4800" dirty="0" smtClean="0"/>
+              <a:rPr lang="en-US" sz="4800" dirty="0"/>
               <a:t>HOLA</a:t>
             </a:r>
-            <a:endParaRPr lang="en-US" sz="4800" dirty="0"/>
           </a:p>
         </p:txBody>
       </p:sp>
@@ -4890,22 +4853,21 @@
           <a:lstStyle/>
           <a:p>
             <a:r>
-              <a:rPr lang="en-US" sz="3200" dirty="0" err="1" smtClean="0"/>
+              <a:rPr lang="en-US" sz="3200" dirty="0" err="1"/>
               <a:t>Qué</a:t>
             </a:r>
             <a:r>
-              <a:rPr lang="en-US" sz="3200" dirty="0" smtClean="0"/>
+              <a:rPr lang="en-US" sz="3200" dirty="0"/>
               <a:t> dice </a:t>
             </a:r>
             <a:r>
-              <a:rPr lang="en-US" sz="3200" dirty="0" err="1" smtClean="0"/>
+              <a:rPr lang="en-US" sz="3200" dirty="0" err="1"/>
               <a:t>aquí</a:t>
             </a:r>
             <a:r>
-              <a:rPr lang="en-US" sz="3200" dirty="0" smtClean="0"/>
+              <a:rPr lang="en-US" sz="3200" dirty="0"/>
               <a:t>?</a:t>
             </a:r>
-            <a:endParaRPr lang="en-US" sz="3200" dirty="0"/>
           </a:p>
         </p:txBody>
       </p:sp>
@@ -5005,13 +4967,6 @@
   <p:clrMapOvr>
     <a:masterClrMapping/>
   </p:clrMapOvr>
-  <p:timing>
-    <p:tnLst>
-      <p:par>
-        <p:cTn id="1" dur="indefinite" restart="never" nodeType="tmRoot"/>
-      </p:par>
-    </p:tnLst>
-  </p:timing>
 </p:sld>
 </file>
 
@@ -5055,10 +5010,9 @@
           <a:lstStyle/>
           <a:p>
             <a:r>
-              <a:rPr lang="en-US" sz="4800" dirty="0" smtClean="0"/>
+              <a:rPr lang="en-US" sz="4800" dirty="0"/>
               <a:t>HOLA</a:t>
             </a:r>
-            <a:endParaRPr lang="en-US" sz="4800" dirty="0"/>
           </a:p>
         </p:txBody>
       </p:sp>
@@ -5085,22 +5039,21 @@
           <a:lstStyle/>
           <a:p>
             <a:r>
-              <a:rPr lang="en-US" sz="3200" dirty="0" err="1" smtClean="0"/>
+              <a:rPr lang="en-US" sz="3200" dirty="0" err="1"/>
               <a:t>Qué</a:t>
             </a:r>
             <a:r>
-              <a:rPr lang="en-US" sz="3200" dirty="0" smtClean="0"/>
+              <a:rPr lang="en-US" sz="3200" dirty="0"/>
               <a:t> dice </a:t>
             </a:r>
             <a:r>
-              <a:rPr lang="en-US" sz="3200" dirty="0" err="1" smtClean="0"/>
+              <a:rPr lang="en-US" sz="3200" dirty="0" err="1"/>
               <a:t>aquí</a:t>
             </a:r>
             <a:r>
-              <a:rPr lang="en-US" sz="3200" dirty="0" smtClean="0"/>
+              <a:rPr lang="en-US" sz="3200" dirty="0"/>
               <a:t>?</a:t>
             </a:r>
-            <a:endParaRPr lang="en-US" sz="3200" dirty="0"/>
           </a:p>
         </p:txBody>
       </p:sp>
@@ -5200,13 +5153,6 @@
   <p:clrMapOvr>
     <a:masterClrMapping/>
   </p:clrMapOvr>
-  <p:timing>
-    <p:tnLst>
-      <p:par>
-        <p:cTn id="1" dur="indefinite" restart="never" nodeType="tmRoot"/>
-      </p:par>
-    </p:tnLst>
-  </p:timing>
 </p:sld>
 </file>
 
@@ -5250,10 +5196,9 @@
           <a:lstStyle/>
           <a:p>
             <a:r>
-              <a:rPr lang="en-US" sz="4800" dirty="0" smtClean="0"/>
+              <a:rPr lang="en-US" sz="4800" dirty="0"/>
               <a:t>HOLA</a:t>
             </a:r>
-            <a:endParaRPr lang="en-US" sz="4800" dirty="0"/>
           </a:p>
         </p:txBody>
       </p:sp>
@@ -5280,22 +5225,21 @@
           <a:lstStyle/>
           <a:p>
             <a:r>
-              <a:rPr lang="en-US" sz="3200" dirty="0" err="1" smtClean="0"/>
+              <a:rPr lang="en-US" sz="3200" dirty="0" err="1"/>
               <a:t>Qué</a:t>
             </a:r>
             <a:r>
-              <a:rPr lang="en-US" sz="3200" dirty="0" smtClean="0"/>
+              <a:rPr lang="en-US" sz="3200" dirty="0"/>
               <a:t> dice </a:t>
             </a:r>
             <a:r>
-              <a:rPr lang="en-US" sz="3200" dirty="0" err="1" smtClean="0"/>
+              <a:rPr lang="en-US" sz="3200" dirty="0" err="1"/>
               <a:t>aquí</a:t>
             </a:r>
             <a:r>
-              <a:rPr lang="en-US" sz="3200" dirty="0" smtClean="0"/>
+              <a:rPr lang="en-US" sz="3200" dirty="0"/>
               <a:t>?</a:t>
             </a:r>
-            <a:endParaRPr lang="en-US" sz="3200" dirty="0"/>
           </a:p>
         </p:txBody>
       </p:sp>
@@ -5339,13 +5283,6 @@
   <p:clrMapOvr>
     <a:masterClrMapping/>
   </p:clrMapOvr>
-  <p:timing>
-    <p:tnLst>
-      <p:par>
-        <p:cTn id="1" dur="indefinite" restart="never" nodeType="tmRoot"/>
-      </p:par>
-    </p:tnLst>
-  </p:timing>
 </p:sld>
 </file>
 
@@ -5389,10 +5326,9 @@
           <a:lstStyle/>
           <a:p>
             <a:r>
-              <a:rPr lang="en-US" sz="4800" dirty="0" smtClean="0"/>
+              <a:rPr lang="en-US" sz="4800" dirty="0"/>
               <a:t>HOLA</a:t>
             </a:r>
-            <a:endParaRPr lang="en-US" sz="4800" dirty="0"/>
           </a:p>
         </p:txBody>
       </p:sp>
@@ -5419,22 +5355,21 @@
           <a:lstStyle/>
           <a:p>
             <a:r>
-              <a:rPr lang="en-US" sz="3200" dirty="0" err="1" smtClean="0"/>
+              <a:rPr lang="en-US" sz="3200" dirty="0" err="1"/>
               <a:t>Qué</a:t>
             </a:r>
             <a:r>
-              <a:rPr lang="en-US" sz="3200" dirty="0" smtClean="0"/>
+              <a:rPr lang="en-US" sz="3200" dirty="0"/>
               <a:t> dice </a:t>
             </a:r>
             <a:r>
-              <a:rPr lang="en-US" sz="3200" dirty="0" err="1" smtClean="0"/>
+              <a:rPr lang="en-US" sz="3200" dirty="0" err="1"/>
               <a:t>aquí</a:t>
             </a:r>
             <a:r>
-              <a:rPr lang="en-US" sz="3200" dirty="0" smtClean="0"/>
+              <a:rPr lang="en-US" sz="3200" dirty="0"/>
               <a:t>?</a:t>
             </a:r>
-            <a:endParaRPr lang="en-US" sz="3200" dirty="0"/>
           </a:p>
         </p:txBody>
       </p:sp>
@@ -5478,13 +5413,6 @@
   <p:clrMapOvr>
     <a:masterClrMapping/>
   </p:clrMapOvr>
-  <p:timing>
-    <p:tnLst>
-      <p:par>
-        <p:cTn id="1" dur="indefinite" restart="never" nodeType="tmRoot"/>
-      </p:par>
-    </p:tnLst>
-  </p:timing>
 </p:sld>
 </file>
 
@@ -5528,22 +5456,21 @@
           <a:lstStyle/>
           <a:p>
             <a:r>
-              <a:rPr lang="en-US" sz="3200" dirty="0" err="1" smtClean="0"/>
+              <a:rPr lang="en-US" sz="3200" dirty="0" err="1"/>
               <a:t>Qué</a:t>
             </a:r>
             <a:r>
-              <a:rPr lang="en-US" sz="3200" dirty="0" smtClean="0"/>
+              <a:rPr lang="en-US" sz="3200" dirty="0"/>
               <a:t> dice </a:t>
             </a:r>
             <a:r>
-              <a:rPr lang="en-US" sz="3200" dirty="0" err="1" smtClean="0"/>
+              <a:rPr lang="en-US" sz="3200" dirty="0" err="1"/>
               <a:t>aquí</a:t>
             </a:r>
             <a:r>
-              <a:rPr lang="en-US" sz="3200" dirty="0" smtClean="0"/>
+              <a:rPr lang="en-US" sz="3200" dirty="0"/>
               <a:t>?</a:t>
             </a:r>
-            <a:endParaRPr lang="en-US" sz="3200" dirty="0"/>
           </a:p>
         </p:txBody>
       </p:sp>
@@ -5571,7 +5498,7 @@
           <a:p>
             <a:pPr algn="ctr"/>
             <a:r>
-              <a:rPr lang="ko-KR" altLang="en-US" sz="4000" dirty="0" smtClean="0"/>
+              <a:rPr lang="ko-KR" altLang="en-US" sz="4000" dirty="0"/>
               <a:t>패턴 인식</a:t>
             </a:r>
             <a:endParaRPr lang="en-US" sz="4000" dirty="0"/>
@@ -5588,13 +5515,6 @@
   <p:clrMapOvr>
     <a:masterClrMapping/>
   </p:clrMapOvr>
-  <p:timing>
-    <p:tnLst>
-      <p:par>
-        <p:cTn id="1" dur="indefinite" restart="never" nodeType="tmRoot"/>
-      </p:par>
-    </p:tnLst>
-  </p:timing>
 </p:sld>
 </file>
 
